--- a/ppt 16-9/0366.信者得永福.pptx
+++ b/ppt 16-9/0366.信者得永福.pptx
@@ -5,7 +5,7 @@
     <p:sldMasterId id="2147483648" r:id="rId1"/>
   </p:sldMasterIdLst>
   <p:sldIdLst>
-    <p:sldId id="3276" r:id="rId2"/>
+    <p:sldId id="3277" r:id="rId2"/>
   </p:sldIdLst>
   <p:sldSz cx="12192000" cy="6858000"/>
   <p:notesSz cx="6858000" cy="9144000"/>
@@ -129,7 +129,7 @@
           <p:cNvPr id="2" name="标题 1">
             <a:extLst>
               <a:ext uri="{FF2B5EF4-FFF2-40B4-BE49-F238E27FC236}">
-                <a16:creationId xmlns:a16="http://schemas.microsoft.com/office/drawing/2014/main" id="{FCFD389B-931D-889C-D4A7-F701872E904A}"/>
+                <a16:creationId xmlns:a16="http://schemas.microsoft.com/office/drawing/2014/main" id="{D3D8FCDF-47FD-C0CE-4BCC-02402DE79DF3}"/>
               </a:ext>
             </a:extLst>
           </p:cNvPr>
@@ -166,7 +166,7 @@
           <p:cNvPr id="3" name="副标题 2">
             <a:extLst>
               <a:ext uri="{FF2B5EF4-FFF2-40B4-BE49-F238E27FC236}">
-                <a16:creationId xmlns:a16="http://schemas.microsoft.com/office/drawing/2014/main" id="{D18D8F48-93D7-21B9-2E0C-4BCFC2EC3D47}"/>
+                <a16:creationId xmlns:a16="http://schemas.microsoft.com/office/drawing/2014/main" id="{A1BA5FC1-7DB5-1BAD-4596-350B33824314}"/>
               </a:ext>
             </a:extLst>
           </p:cNvPr>
@@ -236,7 +236,7 @@
           <p:cNvPr id="4" name="日期占位符 3">
             <a:extLst>
               <a:ext uri="{FF2B5EF4-FFF2-40B4-BE49-F238E27FC236}">
-                <a16:creationId xmlns:a16="http://schemas.microsoft.com/office/drawing/2014/main" id="{60E4EF2F-D357-E018-0FAF-7E58029D41A8}"/>
+                <a16:creationId xmlns:a16="http://schemas.microsoft.com/office/drawing/2014/main" id="{F3997C5C-83C6-1DA5-EABF-6485F6E23BA2}"/>
               </a:ext>
             </a:extLst>
           </p:cNvPr>
@@ -252,7 +252,7 @@
           <a:bodyPr/>
           <a:lstStyle/>
           <a:p>
-            <a:fld id="{E1A4F034-C59A-4D56-A69B-24D6EE955202}" type="datetimeFigureOut">
+            <a:fld id="{A3BC28E7-46E7-45CF-AFD7-B300BDAEB804}" type="datetimeFigureOut">
               <a:rPr lang="zh-CN" altLang="en-US" smtClean="0"/>
               <a:t>2024/3/10</a:t>
             </a:fld>
@@ -265,7 +265,7 @@
           <p:cNvPr id="5" name="页脚占位符 4">
             <a:extLst>
               <a:ext uri="{FF2B5EF4-FFF2-40B4-BE49-F238E27FC236}">
-                <a16:creationId xmlns:a16="http://schemas.microsoft.com/office/drawing/2014/main" id="{0CE0FE9B-C040-545D-B255-9A24AA852988}"/>
+                <a16:creationId xmlns:a16="http://schemas.microsoft.com/office/drawing/2014/main" id="{A83BBE33-D072-1828-FDC2-B28B5EEA1730}"/>
               </a:ext>
             </a:extLst>
           </p:cNvPr>
@@ -290,7 +290,7 @@
           <p:cNvPr id="6" name="灯片编号占位符 5">
             <a:extLst>
               <a:ext uri="{FF2B5EF4-FFF2-40B4-BE49-F238E27FC236}">
-                <a16:creationId xmlns:a16="http://schemas.microsoft.com/office/drawing/2014/main" id="{2A01BA1F-4C57-6409-C7A9-15835E531F7A}"/>
+                <a16:creationId xmlns:a16="http://schemas.microsoft.com/office/drawing/2014/main" id="{5D28C3F6-6403-3901-3FF6-A19432BE3AF1}"/>
               </a:ext>
             </a:extLst>
           </p:cNvPr>
@@ -306,7 +306,7 @@
           <a:bodyPr/>
           <a:lstStyle/>
           <a:p>
-            <a:fld id="{77359B1A-20D4-46CF-940E-7F9F58032197}" type="slidenum">
+            <a:fld id="{DEB31640-0C3C-4B61-89CC-35FE01A3F886}" type="slidenum">
               <a:rPr lang="zh-CN" altLang="en-US" smtClean="0"/>
               <a:t>‹#›</a:t>
             </a:fld>
@@ -317,7 +317,7 @@
     </p:spTree>
     <p:extLst>
       <p:ext uri="{BB962C8B-B14F-4D97-AF65-F5344CB8AC3E}">
-        <p14:creationId xmlns:p14="http://schemas.microsoft.com/office/powerpoint/2010/main" val="1226249843"/>
+        <p14:creationId xmlns:p14="http://schemas.microsoft.com/office/powerpoint/2010/main" val="3387026295"/>
       </p:ext>
     </p:extLst>
   </p:cSld>
@@ -349,7 +349,7 @@
           <p:cNvPr id="2" name="标题 1">
             <a:extLst>
               <a:ext uri="{FF2B5EF4-FFF2-40B4-BE49-F238E27FC236}">
-                <a16:creationId xmlns:a16="http://schemas.microsoft.com/office/drawing/2014/main" id="{678E8DEC-1096-D37F-A124-FFD1B94FC2BE}"/>
+                <a16:creationId xmlns:a16="http://schemas.microsoft.com/office/drawing/2014/main" id="{517EB7E2-33AA-D873-F645-A86A978A1F78}"/>
               </a:ext>
             </a:extLst>
           </p:cNvPr>
@@ -377,7 +377,7 @@
           <p:cNvPr id="3" name="竖排文字占位符 2">
             <a:extLst>
               <a:ext uri="{FF2B5EF4-FFF2-40B4-BE49-F238E27FC236}">
-                <a16:creationId xmlns:a16="http://schemas.microsoft.com/office/drawing/2014/main" id="{1610BE55-F093-F875-1C59-96C869663E14}"/>
+                <a16:creationId xmlns:a16="http://schemas.microsoft.com/office/drawing/2014/main" id="{20B8637F-6AF6-7243-FDF3-888B0E2E11C1}"/>
               </a:ext>
             </a:extLst>
           </p:cNvPr>
@@ -434,7 +434,7 @@
           <p:cNvPr id="4" name="日期占位符 3">
             <a:extLst>
               <a:ext uri="{FF2B5EF4-FFF2-40B4-BE49-F238E27FC236}">
-                <a16:creationId xmlns:a16="http://schemas.microsoft.com/office/drawing/2014/main" id="{44BE2913-B84B-1309-AE5C-9395377FDE7E}"/>
+                <a16:creationId xmlns:a16="http://schemas.microsoft.com/office/drawing/2014/main" id="{28122387-9667-B6EB-727B-59E030A210E9}"/>
               </a:ext>
             </a:extLst>
           </p:cNvPr>
@@ -450,7 +450,7 @@
           <a:bodyPr/>
           <a:lstStyle/>
           <a:p>
-            <a:fld id="{E1A4F034-C59A-4D56-A69B-24D6EE955202}" type="datetimeFigureOut">
+            <a:fld id="{A3BC28E7-46E7-45CF-AFD7-B300BDAEB804}" type="datetimeFigureOut">
               <a:rPr lang="zh-CN" altLang="en-US" smtClean="0"/>
               <a:t>2024/3/10</a:t>
             </a:fld>
@@ -463,7 +463,7 @@
           <p:cNvPr id="5" name="页脚占位符 4">
             <a:extLst>
               <a:ext uri="{FF2B5EF4-FFF2-40B4-BE49-F238E27FC236}">
-                <a16:creationId xmlns:a16="http://schemas.microsoft.com/office/drawing/2014/main" id="{0D3EDA7B-CDD8-721D-78CB-C4FF475D6790}"/>
+                <a16:creationId xmlns:a16="http://schemas.microsoft.com/office/drawing/2014/main" id="{9FD2707F-A24F-3D3D-83EC-F051192181DB}"/>
               </a:ext>
             </a:extLst>
           </p:cNvPr>
@@ -488,7 +488,7 @@
           <p:cNvPr id="6" name="灯片编号占位符 5">
             <a:extLst>
               <a:ext uri="{FF2B5EF4-FFF2-40B4-BE49-F238E27FC236}">
-                <a16:creationId xmlns:a16="http://schemas.microsoft.com/office/drawing/2014/main" id="{28D875EF-662A-D9BB-FB91-EF2781CD4F70}"/>
+                <a16:creationId xmlns:a16="http://schemas.microsoft.com/office/drawing/2014/main" id="{633F58CC-0D6D-4C4A-58B1-B1D918D0E1E9}"/>
               </a:ext>
             </a:extLst>
           </p:cNvPr>
@@ -504,7 +504,7 @@
           <a:bodyPr/>
           <a:lstStyle/>
           <a:p>
-            <a:fld id="{77359B1A-20D4-46CF-940E-7F9F58032197}" type="slidenum">
+            <a:fld id="{DEB31640-0C3C-4B61-89CC-35FE01A3F886}" type="slidenum">
               <a:rPr lang="zh-CN" altLang="en-US" smtClean="0"/>
               <a:t>‹#›</a:t>
             </a:fld>
@@ -515,7 +515,7 @@
     </p:spTree>
     <p:extLst>
       <p:ext uri="{BB962C8B-B14F-4D97-AF65-F5344CB8AC3E}">
-        <p14:creationId xmlns:p14="http://schemas.microsoft.com/office/powerpoint/2010/main" val="1385446937"/>
+        <p14:creationId xmlns:p14="http://schemas.microsoft.com/office/powerpoint/2010/main" val="158156623"/>
       </p:ext>
     </p:extLst>
   </p:cSld>
@@ -547,7 +547,7 @@
           <p:cNvPr id="2" name="竖排标题 1">
             <a:extLst>
               <a:ext uri="{FF2B5EF4-FFF2-40B4-BE49-F238E27FC236}">
-                <a16:creationId xmlns:a16="http://schemas.microsoft.com/office/drawing/2014/main" id="{85033248-1A81-AC74-7CDE-A951B387EFA9}"/>
+                <a16:creationId xmlns:a16="http://schemas.microsoft.com/office/drawing/2014/main" id="{6F69DFCC-ECD4-09EC-4A32-6AC67E583C81}"/>
               </a:ext>
             </a:extLst>
           </p:cNvPr>
@@ -580,7 +580,7 @@
           <p:cNvPr id="3" name="竖排文字占位符 2">
             <a:extLst>
               <a:ext uri="{FF2B5EF4-FFF2-40B4-BE49-F238E27FC236}">
-                <a16:creationId xmlns:a16="http://schemas.microsoft.com/office/drawing/2014/main" id="{91BF7AD1-B6B4-DF84-96A6-DF657E044E6D}"/>
+                <a16:creationId xmlns:a16="http://schemas.microsoft.com/office/drawing/2014/main" id="{31281799-94F4-DF0F-7302-C057B0AACF18}"/>
               </a:ext>
             </a:extLst>
           </p:cNvPr>
@@ -642,7 +642,7 @@
           <p:cNvPr id="4" name="日期占位符 3">
             <a:extLst>
               <a:ext uri="{FF2B5EF4-FFF2-40B4-BE49-F238E27FC236}">
-                <a16:creationId xmlns:a16="http://schemas.microsoft.com/office/drawing/2014/main" id="{7551C12D-FF80-9A38-4C15-5D29092C7CDA}"/>
+                <a16:creationId xmlns:a16="http://schemas.microsoft.com/office/drawing/2014/main" id="{998E151E-28C5-CE48-49DF-C8B7CA2D9CD9}"/>
               </a:ext>
             </a:extLst>
           </p:cNvPr>
@@ -658,7 +658,7 @@
           <a:bodyPr/>
           <a:lstStyle/>
           <a:p>
-            <a:fld id="{E1A4F034-C59A-4D56-A69B-24D6EE955202}" type="datetimeFigureOut">
+            <a:fld id="{A3BC28E7-46E7-45CF-AFD7-B300BDAEB804}" type="datetimeFigureOut">
               <a:rPr lang="zh-CN" altLang="en-US" smtClean="0"/>
               <a:t>2024/3/10</a:t>
             </a:fld>
@@ -671,7 +671,7 @@
           <p:cNvPr id="5" name="页脚占位符 4">
             <a:extLst>
               <a:ext uri="{FF2B5EF4-FFF2-40B4-BE49-F238E27FC236}">
-                <a16:creationId xmlns:a16="http://schemas.microsoft.com/office/drawing/2014/main" id="{F2857084-2CE7-03CE-AC90-4AD3FF893D5F}"/>
+                <a16:creationId xmlns:a16="http://schemas.microsoft.com/office/drawing/2014/main" id="{DED23B7C-615D-9BF5-2737-E5E3BE3B7B52}"/>
               </a:ext>
             </a:extLst>
           </p:cNvPr>
@@ -696,7 +696,7 @@
           <p:cNvPr id="6" name="灯片编号占位符 5">
             <a:extLst>
               <a:ext uri="{FF2B5EF4-FFF2-40B4-BE49-F238E27FC236}">
-                <a16:creationId xmlns:a16="http://schemas.microsoft.com/office/drawing/2014/main" id="{6285E4CD-F6BD-D864-E98B-2197B31D4CAE}"/>
+                <a16:creationId xmlns:a16="http://schemas.microsoft.com/office/drawing/2014/main" id="{1335F134-0C92-8F2B-E895-02D9CAFE37A3}"/>
               </a:ext>
             </a:extLst>
           </p:cNvPr>
@@ -712,7 +712,7 @@
           <a:bodyPr/>
           <a:lstStyle/>
           <a:p>
-            <a:fld id="{77359B1A-20D4-46CF-940E-7F9F58032197}" type="slidenum">
+            <a:fld id="{DEB31640-0C3C-4B61-89CC-35FE01A3F886}" type="slidenum">
               <a:rPr lang="zh-CN" altLang="en-US" smtClean="0"/>
               <a:t>‹#›</a:t>
             </a:fld>
@@ -723,7 +723,7 @@
     </p:spTree>
     <p:extLst>
       <p:ext uri="{BB962C8B-B14F-4D97-AF65-F5344CB8AC3E}">
-        <p14:creationId xmlns:p14="http://schemas.microsoft.com/office/powerpoint/2010/main" val="4024059716"/>
+        <p14:creationId xmlns:p14="http://schemas.microsoft.com/office/powerpoint/2010/main" val="1376917924"/>
       </p:ext>
     </p:extLst>
   </p:cSld>
@@ -755,7 +755,7 @@
           <p:cNvPr id="2" name="标题 1">
             <a:extLst>
               <a:ext uri="{FF2B5EF4-FFF2-40B4-BE49-F238E27FC236}">
-                <a16:creationId xmlns:a16="http://schemas.microsoft.com/office/drawing/2014/main" id="{ED6B538B-112F-028B-9D36-4A82B8B82497}"/>
+                <a16:creationId xmlns:a16="http://schemas.microsoft.com/office/drawing/2014/main" id="{BBF4BAF0-EBF7-0563-EC9C-E231E725BFD5}"/>
               </a:ext>
             </a:extLst>
           </p:cNvPr>
@@ -783,7 +783,7 @@
           <p:cNvPr id="3" name="内容占位符 2">
             <a:extLst>
               <a:ext uri="{FF2B5EF4-FFF2-40B4-BE49-F238E27FC236}">
-                <a16:creationId xmlns:a16="http://schemas.microsoft.com/office/drawing/2014/main" id="{25E8B77E-6120-1F4C-B9DD-4AD6BEB073D0}"/>
+                <a16:creationId xmlns:a16="http://schemas.microsoft.com/office/drawing/2014/main" id="{E8EB230E-9D00-47D9-4A5F-18B9D4F6F221}"/>
               </a:ext>
             </a:extLst>
           </p:cNvPr>
@@ -840,7 +840,7 @@
           <p:cNvPr id="4" name="日期占位符 3">
             <a:extLst>
               <a:ext uri="{FF2B5EF4-FFF2-40B4-BE49-F238E27FC236}">
-                <a16:creationId xmlns:a16="http://schemas.microsoft.com/office/drawing/2014/main" id="{A729BC98-8309-B9E9-557D-024D22B51057}"/>
+                <a16:creationId xmlns:a16="http://schemas.microsoft.com/office/drawing/2014/main" id="{54911526-792E-B6E3-FB92-BC328B9D75B2}"/>
               </a:ext>
             </a:extLst>
           </p:cNvPr>
@@ -856,7 +856,7 @@
           <a:bodyPr/>
           <a:lstStyle/>
           <a:p>
-            <a:fld id="{E1A4F034-C59A-4D56-A69B-24D6EE955202}" type="datetimeFigureOut">
+            <a:fld id="{A3BC28E7-46E7-45CF-AFD7-B300BDAEB804}" type="datetimeFigureOut">
               <a:rPr lang="zh-CN" altLang="en-US" smtClean="0"/>
               <a:t>2024/3/10</a:t>
             </a:fld>
@@ -869,7 +869,7 @@
           <p:cNvPr id="5" name="页脚占位符 4">
             <a:extLst>
               <a:ext uri="{FF2B5EF4-FFF2-40B4-BE49-F238E27FC236}">
-                <a16:creationId xmlns:a16="http://schemas.microsoft.com/office/drawing/2014/main" id="{336B383C-45EE-C2E3-5CB4-2C942D2677E9}"/>
+                <a16:creationId xmlns:a16="http://schemas.microsoft.com/office/drawing/2014/main" id="{DB208E80-0900-B1B2-A6BC-6A06C0301678}"/>
               </a:ext>
             </a:extLst>
           </p:cNvPr>
@@ -894,7 +894,7 @@
           <p:cNvPr id="6" name="灯片编号占位符 5">
             <a:extLst>
               <a:ext uri="{FF2B5EF4-FFF2-40B4-BE49-F238E27FC236}">
-                <a16:creationId xmlns:a16="http://schemas.microsoft.com/office/drawing/2014/main" id="{850B10F2-6A14-6E6B-4359-D23CE0F2F191}"/>
+                <a16:creationId xmlns:a16="http://schemas.microsoft.com/office/drawing/2014/main" id="{1723E62F-FF7E-2000-BFEA-5F7AC9D164BF}"/>
               </a:ext>
             </a:extLst>
           </p:cNvPr>
@@ -910,7 +910,7 @@
           <a:bodyPr/>
           <a:lstStyle/>
           <a:p>
-            <a:fld id="{77359B1A-20D4-46CF-940E-7F9F58032197}" type="slidenum">
+            <a:fld id="{DEB31640-0C3C-4B61-89CC-35FE01A3F886}" type="slidenum">
               <a:rPr lang="zh-CN" altLang="en-US" smtClean="0"/>
               <a:t>‹#›</a:t>
             </a:fld>
@@ -921,7 +921,7 @@
     </p:spTree>
     <p:extLst>
       <p:ext uri="{BB962C8B-B14F-4D97-AF65-F5344CB8AC3E}">
-        <p14:creationId xmlns:p14="http://schemas.microsoft.com/office/powerpoint/2010/main" val="472774488"/>
+        <p14:creationId xmlns:p14="http://schemas.microsoft.com/office/powerpoint/2010/main" val="29935092"/>
       </p:ext>
     </p:extLst>
   </p:cSld>
@@ -953,7 +953,7 @@
           <p:cNvPr id="2" name="标题 1">
             <a:extLst>
               <a:ext uri="{FF2B5EF4-FFF2-40B4-BE49-F238E27FC236}">
-                <a16:creationId xmlns:a16="http://schemas.microsoft.com/office/drawing/2014/main" id="{3F5B7CD6-DEB7-5A35-A9FB-1387EEF1D853}"/>
+                <a16:creationId xmlns:a16="http://schemas.microsoft.com/office/drawing/2014/main" id="{3515C364-3042-2FA9-3426-7D5222B8F97E}"/>
               </a:ext>
             </a:extLst>
           </p:cNvPr>
@@ -990,7 +990,7 @@
           <p:cNvPr id="3" name="文本占位符 2">
             <a:extLst>
               <a:ext uri="{FF2B5EF4-FFF2-40B4-BE49-F238E27FC236}">
-                <a16:creationId xmlns:a16="http://schemas.microsoft.com/office/drawing/2014/main" id="{1C4E8930-B0F7-1FDE-EB41-C469F26D7238}"/>
+                <a16:creationId xmlns:a16="http://schemas.microsoft.com/office/drawing/2014/main" id="{C7039916-F542-A4A7-0CCD-88372BA16FC1}"/>
               </a:ext>
             </a:extLst>
           </p:cNvPr>
@@ -1115,7 +1115,7 @@
           <p:cNvPr id="4" name="日期占位符 3">
             <a:extLst>
               <a:ext uri="{FF2B5EF4-FFF2-40B4-BE49-F238E27FC236}">
-                <a16:creationId xmlns:a16="http://schemas.microsoft.com/office/drawing/2014/main" id="{6303B08C-A7A0-E2F4-C54C-A4DE98387960}"/>
+                <a16:creationId xmlns:a16="http://schemas.microsoft.com/office/drawing/2014/main" id="{65AD8857-07D2-B41A-82BB-665903E84084}"/>
               </a:ext>
             </a:extLst>
           </p:cNvPr>
@@ -1131,7 +1131,7 @@
           <a:bodyPr/>
           <a:lstStyle/>
           <a:p>
-            <a:fld id="{E1A4F034-C59A-4D56-A69B-24D6EE955202}" type="datetimeFigureOut">
+            <a:fld id="{A3BC28E7-46E7-45CF-AFD7-B300BDAEB804}" type="datetimeFigureOut">
               <a:rPr lang="zh-CN" altLang="en-US" smtClean="0"/>
               <a:t>2024/3/10</a:t>
             </a:fld>
@@ -1144,7 +1144,7 @@
           <p:cNvPr id="5" name="页脚占位符 4">
             <a:extLst>
               <a:ext uri="{FF2B5EF4-FFF2-40B4-BE49-F238E27FC236}">
-                <a16:creationId xmlns:a16="http://schemas.microsoft.com/office/drawing/2014/main" id="{D2420FD3-164E-E2B8-2279-405215A8D260}"/>
+                <a16:creationId xmlns:a16="http://schemas.microsoft.com/office/drawing/2014/main" id="{DE102910-5620-6143-CCDD-38053D9EECDC}"/>
               </a:ext>
             </a:extLst>
           </p:cNvPr>
@@ -1169,7 +1169,7 @@
           <p:cNvPr id="6" name="灯片编号占位符 5">
             <a:extLst>
               <a:ext uri="{FF2B5EF4-FFF2-40B4-BE49-F238E27FC236}">
-                <a16:creationId xmlns:a16="http://schemas.microsoft.com/office/drawing/2014/main" id="{65F728FB-2AB5-4781-29B0-977933A84512}"/>
+                <a16:creationId xmlns:a16="http://schemas.microsoft.com/office/drawing/2014/main" id="{504F7AC1-A5BF-EF6C-E0EF-371755A22EC5}"/>
               </a:ext>
             </a:extLst>
           </p:cNvPr>
@@ -1185,7 +1185,7 @@
           <a:bodyPr/>
           <a:lstStyle/>
           <a:p>
-            <a:fld id="{77359B1A-20D4-46CF-940E-7F9F58032197}" type="slidenum">
+            <a:fld id="{DEB31640-0C3C-4B61-89CC-35FE01A3F886}" type="slidenum">
               <a:rPr lang="zh-CN" altLang="en-US" smtClean="0"/>
               <a:t>‹#›</a:t>
             </a:fld>
@@ -1196,7 +1196,7 @@
     </p:spTree>
     <p:extLst>
       <p:ext uri="{BB962C8B-B14F-4D97-AF65-F5344CB8AC3E}">
-        <p14:creationId xmlns:p14="http://schemas.microsoft.com/office/powerpoint/2010/main" val="2786410611"/>
+        <p14:creationId xmlns:p14="http://schemas.microsoft.com/office/powerpoint/2010/main" val="1226745448"/>
       </p:ext>
     </p:extLst>
   </p:cSld>
@@ -1228,7 +1228,7 @@
           <p:cNvPr id="2" name="标题 1">
             <a:extLst>
               <a:ext uri="{FF2B5EF4-FFF2-40B4-BE49-F238E27FC236}">
-                <a16:creationId xmlns:a16="http://schemas.microsoft.com/office/drawing/2014/main" id="{9116C6D1-2F65-5E29-46B5-3D2D1A6082BC}"/>
+                <a16:creationId xmlns:a16="http://schemas.microsoft.com/office/drawing/2014/main" id="{CFCCF1AE-015B-1E90-B013-F3F30086606A}"/>
               </a:ext>
             </a:extLst>
           </p:cNvPr>
@@ -1256,7 +1256,7 @@
           <p:cNvPr id="3" name="内容占位符 2">
             <a:extLst>
               <a:ext uri="{FF2B5EF4-FFF2-40B4-BE49-F238E27FC236}">
-                <a16:creationId xmlns:a16="http://schemas.microsoft.com/office/drawing/2014/main" id="{E9E353C9-3A91-F47F-42C9-E7415A712BDB}"/>
+                <a16:creationId xmlns:a16="http://schemas.microsoft.com/office/drawing/2014/main" id="{4FFCCE92-FA6A-8D81-7413-45DF3AFA005C}"/>
               </a:ext>
             </a:extLst>
           </p:cNvPr>
@@ -1318,7 +1318,7 @@
           <p:cNvPr id="4" name="内容占位符 3">
             <a:extLst>
               <a:ext uri="{FF2B5EF4-FFF2-40B4-BE49-F238E27FC236}">
-                <a16:creationId xmlns:a16="http://schemas.microsoft.com/office/drawing/2014/main" id="{C353ACFE-AA20-C1DF-37A8-37EED3FEF628}"/>
+                <a16:creationId xmlns:a16="http://schemas.microsoft.com/office/drawing/2014/main" id="{E59F49B0-8527-527C-7EFB-E84A22227CF9}"/>
               </a:ext>
             </a:extLst>
           </p:cNvPr>
@@ -1380,7 +1380,7 @@
           <p:cNvPr id="5" name="日期占位符 4">
             <a:extLst>
               <a:ext uri="{FF2B5EF4-FFF2-40B4-BE49-F238E27FC236}">
-                <a16:creationId xmlns:a16="http://schemas.microsoft.com/office/drawing/2014/main" id="{5D1297DF-4FCD-1CF1-D64C-D7164C5760A6}"/>
+                <a16:creationId xmlns:a16="http://schemas.microsoft.com/office/drawing/2014/main" id="{D197622C-DB3F-D56A-B212-B1FF2E37E2F5}"/>
               </a:ext>
             </a:extLst>
           </p:cNvPr>
@@ -1396,7 +1396,7 @@
           <a:bodyPr/>
           <a:lstStyle/>
           <a:p>
-            <a:fld id="{E1A4F034-C59A-4D56-A69B-24D6EE955202}" type="datetimeFigureOut">
+            <a:fld id="{A3BC28E7-46E7-45CF-AFD7-B300BDAEB804}" type="datetimeFigureOut">
               <a:rPr lang="zh-CN" altLang="en-US" smtClean="0"/>
               <a:t>2024/3/10</a:t>
             </a:fld>
@@ -1409,7 +1409,7 @@
           <p:cNvPr id="6" name="页脚占位符 5">
             <a:extLst>
               <a:ext uri="{FF2B5EF4-FFF2-40B4-BE49-F238E27FC236}">
-                <a16:creationId xmlns:a16="http://schemas.microsoft.com/office/drawing/2014/main" id="{44E34DD8-A997-EB8F-E32B-07F79C268904}"/>
+                <a16:creationId xmlns:a16="http://schemas.microsoft.com/office/drawing/2014/main" id="{392B7933-4DAE-C674-A9FE-92A060D8F6F0}"/>
               </a:ext>
             </a:extLst>
           </p:cNvPr>
@@ -1434,7 +1434,7 @@
           <p:cNvPr id="7" name="灯片编号占位符 6">
             <a:extLst>
               <a:ext uri="{FF2B5EF4-FFF2-40B4-BE49-F238E27FC236}">
-                <a16:creationId xmlns:a16="http://schemas.microsoft.com/office/drawing/2014/main" id="{B7B19F82-6E3F-CE24-A0FE-BCD0C869C398}"/>
+                <a16:creationId xmlns:a16="http://schemas.microsoft.com/office/drawing/2014/main" id="{76D93B6A-3C3E-74E1-5970-D4E6D99C5A39}"/>
               </a:ext>
             </a:extLst>
           </p:cNvPr>
@@ -1450,7 +1450,7 @@
           <a:bodyPr/>
           <a:lstStyle/>
           <a:p>
-            <a:fld id="{77359B1A-20D4-46CF-940E-7F9F58032197}" type="slidenum">
+            <a:fld id="{DEB31640-0C3C-4B61-89CC-35FE01A3F886}" type="slidenum">
               <a:rPr lang="zh-CN" altLang="en-US" smtClean="0"/>
               <a:t>‹#›</a:t>
             </a:fld>
@@ -1461,7 +1461,7 @@
     </p:spTree>
     <p:extLst>
       <p:ext uri="{BB962C8B-B14F-4D97-AF65-F5344CB8AC3E}">
-        <p14:creationId xmlns:p14="http://schemas.microsoft.com/office/powerpoint/2010/main" val="1667426916"/>
+        <p14:creationId xmlns:p14="http://schemas.microsoft.com/office/powerpoint/2010/main" val="3567116257"/>
       </p:ext>
     </p:extLst>
   </p:cSld>
@@ -1493,7 +1493,7 @@
           <p:cNvPr id="2" name="标题 1">
             <a:extLst>
               <a:ext uri="{FF2B5EF4-FFF2-40B4-BE49-F238E27FC236}">
-                <a16:creationId xmlns:a16="http://schemas.microsoft.com/office/drawing/2014/main" id="{5EA78315-E43D-BFC0-EAE9-3C19EB50A4D5}"/>
+                <a16:creationId xmlns:a16="http://schemas.microsoft.com/office/drawing/2014/main" id="{C4A48754-AB6C-AC86-7B27-6900CE158B13}"/>
               </a:ext>
             </a:extLst>
           </p:cNvPr>
@@ -1526,7 +1526,7 @@
           <p:cNvPr id="3" name="文本占位符 2">
             <a:extLst>
               <a:ext uri="{FF2B5EF4-FFF2-40B4-BE49-F238E27FC236}">
-                <a16:creationId xmlns:a16="http://schemas.microsoft.com/office/drawing/2014/main" id="{663E8262-8CFF-B336-4004-9202026671B6}"/>
+                <a16:creationId xmlns:a16="http://schemas.microsoft.com/office/drawing/2014/main" id="{85D5E3D7-D7AC-EB53-C2B5-9DBBEC4CD113}"/>
               </a:ext>
             </a:extLst>
           </p:cNvPr>
@@ -1597,7 +1597,7 @@
           <p:cNvPr id="4" name="内容占位符 3">
             <a:extLst>
               <a:ext uri="{FF2B5EF4-FFF2-40B4-BE49-F238E27FC236}">
-                <a16:creationId xmlns:a16="http://schemas.microsoft.com/office/drawing/2014/main" id="{04418DD1-7F54-2018-9DCB-021F88FB0940}"/>
+                <a16:creationId xmlns:a16="http://schemas.microsoft.com/office/drawing/2014/main" id="{B11EFD90-B6F2-2BE4-A381-7E6113DC0FF3}"/>
               </a:ext>
             </a:extLst>
           </p:cNvPr>
@@ -1659,7 +1659,7 @@
           <p:cNvPr id="5" name="文本占位符 4">
             <a:extLst>
               <a:ext uri="{FF2B5EF4-FFF2-40B4-BE49-F238E27FC236}">
-                <a16:creationId xmlns:a16="http://schemas.microsoft.com/office/drawing/2014/main" id="{0CABC005-EBA7-4E3D-4AFF-DB6A6AD7CE99}"/>
+                <a16:creationId xmlns:a16="http://schemas.microsoft.com/office/drawing/2014/main" id="{B2E2F014-F301-D361-1CD6-9415B1D66E3E}"/>
               </a:ext>
             </a:extLst>
           </p:cNvPr>
@@ -1730,7 +1730,7 @@
           <p:cNvPr id="6" name="内容占位符 5">
             <a:extLst>
               <a:ext uri="{FF2B5EF4-FFF2-40B4-BE49-F238E27FC236}">
-                <a16:creationId xmlns:a16="http://schemas.microsoft.com/office/drawing/2014/main" id="{7DBB2644-4453-8FE5-F827-16C1F379A614}"/>
+                <a16:creationId xmlns:a16="http://schemas.microsoft.com/office/drawing/2014/main" id="{F42A43B0-C2FB-1DF4-5FE3-96BDFDA872A8}"/>
               </a:ext>
             </a:extLst>
           </p:cNvPr>
@@ -1792,7 +1792,7 @@
           <p:cNvPr id="7" name="日期占位符 6">
             <a:extLst>
               <a:ext uri="{FF2B5EF4-FFF2-40B4-BE49-F238E27FC236}">
-                <a16:creationId xmlns:a16="http://schemas.microsoft.com/office/drawing/2014/main" id="{699197ED-BF73-6014-BC5D-23D3C2E4D34F}"/>
+                <a16:creationId xmlns:a16="http://schemas.microsoft.com/office/drawing/2014/main" id="{060F3866-071B-D7DD-6B53-3BB6C4F31E63}"/>
               </a:ext>
             </a:extLst>
           </p:cNvPr>
@@ -1808,7 +1808,7 @@
           <a:bodyPr/>
           <a:lstStyle/>
           <a:p>
-            <a:fld id="{E1A4F034-C59A-4D56-A69B-24D6EE955202}" type="datetimeFigureOut">
+            <a:fld id="{A3BC28E7-46E7-45CF-AFD7-B300BDAEB804}" type="datetimeFigureOut">
               <a:rPr lang="zh-CN" altLang="en-US" smtClean="0"/>
               <a:t>2024/3/10</a:t>
             </a:fld>
@@ -1821,7 +1821,7 @@
           <p:cNvPr id="8" name="页脚占位符 7">
             <a:extLst>
               <a:ext uri="{FF2B5EF4-FFF2-40B4-BE49-F238E27FC236}">
-                <a16:creationId xmlns:a16="http://schemas.microsoft.com/office/drawing/2014/main" id="{3852256D-1596-CFF9-176B-7DC06FE55156}"/>
+                <a16:creationId xmlns:a16="http://schemas.microsoft.com/office/drawing/2014/main" id="{A0C4404E-E605-4FED-9C7E-98630244EF46}"/>
               </a:ext>
             </a:extLst>
           </p:cNvPr>
@@ -1846,7 +1846,7 @@
           <p:cNvPr id="9" name="灯片编号占位符 8">
             <a:extLst>
               <a:ext uri="{FF2B5EF4-FFF2-40B4-BE49-F238E27FC236}">
-                <a16:creationId xmlns:a16="http://schemas.microsoft.com/office/drawing/2014/main" id="{E40122FE-6880-509B-7EFB-816E36979AC7}"/>
+                <a16:creationId xmlns:a16="http://schemas.microsoft.com/office/drawing/2014/main" id="{4E705314-A394-5EF2-55C9-7774A6A47553}"/>
               </a:ext>
             </a:extLst>
           </p:cNvPr>
@@ -1862,7 +1862,7 @@
           <a:bodyPr/>
           <a:lstStyle/>
           <a:p>
-            <a:fld id="{77359B1A-20D4-46CF-940E-7F9F58032197}" type="slidenum">
+            <a:fld id="{DEB31640-0C3C-4B61-89CC-35FE01A3F886}" type="slidenum">
               <a:rPr lang="zh-CN" altLang="en-US" smtClean="0"/>
               <a:t>‹#›</a:t>
             </a:fld>
@@ -1873,7 +1873,7 @@
     </p:spTree>
     <p:extLst>
       <p:ext uri="{BB962C8B-B14F-4D97-AF65-F5344CB8AC3E}">
-        <p14:creationId xmlns:p14="http://schemas.microsoft.com/office/powerpoint/2010/main" val="717641428"/>
+        <p14:creationId xmlns:p14="http://schemas.microsoft.com/office/powerpoint/2010/main" val="2267452951"/>
       </p:ext>
     </p:extLst>
   </p:cSld>
@@ -1905,7 +1905,7 @@
           <p:cNvPr id="2" name="标题 1">
             <a:extLst>
               <a:ext uri="{FF2B5EF4-FFF2-40B4-BE49-F238E27FC236}">
-                <a16:creationId xmlns:a16="http://schemas.microsoft.com/office/drawing/2014/main" id="{74DB0881-7549-B20C-CF20-EF96FC8B05BF}"/>
+                <a16:creationId xmlns:a16="http://schemas.microsoft.com/office/drawing/2014/main" id="{AA7029AD-DDE8-5A89-59EB-5E70F8109479}"/>
               </a:ext>
             </a:extLst>
           </p:cNvPr>
@@ -1933,7 +1933,7 @@
           <p:cNvPr id="3" name="日期占位符 2">
             <a:extLst>
               <a:ext uri="{FF2B5EF4-FFF2-40B4-BE49-F238E27FC236}">
-                <a16:creationId xmlns:a16="http://schemas.microsoft.com/office/drawing/2014/main" id="{46BF0FA6-E894-46ED-BB4D-5179A1F6AB72}"/>
+                <a16:creationId xmlns:a16="http://schemas.microsoft.com/office/drawing/2014/main" id="{982E3CFE-7CD6-BE0B-F5C7-96EE3A975CF6}"/>
               </a:ext>
             </a:extLst>
           </p:cNvPr>
@@ -1949,7 +1949,7 @@
           <a:bodyPr/>
           <a:lstStyle/>
           <a:p>
-            <a:fld id="{E1A4F034-C59A-4D56-A69B-24D6EE955202}" type="datetimeFigureOut">
+            <a:fld id="{A3BC28E7-46E7-45CF-AFD7-B300BDAEB804}" type="datetimeFigureOut">
               <a:rPr lang="zh-CN" altLang="en-US" smtClean="0"/>
               <a:t>2024/3/10</a:t>
             </a:fld>
@@ -1962,7 +1962,7 @@
           <p:cNvPr id="4" name="页脚占位符 3">
             <a:extLst>
               <a:ext uri="{FF2B5EF4-FFF2-40B4-BE49-F238E27FC236}">
-                <a16:creationId xmlns:a16="http://schemas.microsoft.com/office/drawing/2014/main" id="{EE5DFB23-2795-56A1-5647-B30EC924D8ED}"/>
+                <a16:creationId xmlns:a16="http://schemas.microsoft.com/office/drawing/2014/main" id="{2B3430F8-426B-9952-1EC2-28941E25104E}"/>
               </a:ext>
             </a:extLst>
           </p:cNvPr>
@@ -1987,7 +1987,7 @@
           <p:cNvPr id="5" name="灯片编号占位符 4">
             <a:extLst>
               <a:ext uri="{FF2B5EF4-FFF2-40B4-BE49-F238E27FC236}">
-                <a16:creationId xmlns:a16="http://schemas.microsoft.com/office/drawing/2014/main" id="{1F6D7CD7-A05A-CCB0-4A04-F01625B7C774}"/>
+                <a16:creationId xmlns:a16="http://schemas.microsoft.com/office/drawing/2014/main" id="{C62A0D46-1A03-2753-720F-C6C418338EAE}"/>
               </a:ext>
             </a:extLst>
           </p:cNvPr>
@@ -2003,7 +2003,7 @@
           <a:bodyPr/>
           <a:lstStyle/>
           <a:p>
-            <a:fld id="{77359B1A-20D4-46CF-940E-7F9F58032197}" type="slidenum">
+            <a:fld id="{DEB31640-0C3C-4B61-89CC-35FE01A3F886}" type="slidenum">
               <a:rPr lang="zh-CN" altLang="en-US" smtClean="0"/>
               <a:t>‹#›</a:t>
             </a:fld>
@@ -2014,7 +2014,7 @@
     </p:spTree>
     <p:extLst>
       <p:ext uri="{BB962C8B-B14F-4D97-AF65-F5344CB8AC3E}">
-        <p14:creationId xmlns:p14="http://schemas.microsoft.com/office/powerpoint/2010/main" val="1111946967"/>
+        <p14:creationId xmlns:p14="http://schemas.microsoft.com/office/powerpoint/2010/main" val="3926476249"/>
       </p:ext>
     </p:extLst>
   </p:cSld>
@@ -2046,7 +2046,7 @@
           <p:cNvPr id="2" name="日期占位符 1">
             <a:extLst>
               <a:ext uri="{FF2B5EF4-FFF2-40B4-BE49-F238E27FC236}">
-                <a16:creationId xmlns:a16="http://schemas.microsoft.com/office/drawing/2014/main" id="{7BC19AC7-0E56-7E0A-84D8-D953EEAD405F}"/>
+                <a16:creationId xmlns:a16="http://schemas.microsoft.com/office/drawing/2014/main" id="{650262E5-C0EA-2E9C-1931-DF530330D40F}"/>
               </a:ext>
             </a:extLst>
           </p:cNvPr>
@@ -2062,7 +2062,7 @@
           <a:bodyPr/>
           <a:lstStyle/>
           <a:p>
-            <a:fld id="{E1A4F034-C59A-4D56-A69B-24D6EE955202}" type="datetimeFigureOut">
+            <a:fld id="{A3BC28E7-46E7-45CF-AFD7-B300BDAEB804}" type="datetimeFigureOut">
               <a:rPr lang="zh-CN" altLang="en-US" smtClean="0"/>
               <a:t>2024/3/10</a:t>
             </a:fld>
@@ -2075,7 +2075,7 @@
           <p:cNvPr id="3" name="页脚占位符 2">
             <a:extLst>
               <a:ext uri="{FF2B5EF4-FFF2-40B4-BE49-F238E27FC236}">
-                <a16:creationId xmlns:a16="http://schemas.microsoft.com/office/drawing/2014/main" id="{8266151F-7A1D-F632-9C22-7EBF79CD9F36}"/>
+                <a16:creationId xmlns:a16="http://schemas.microsoft.com/office/drawing/2014/main" id="{0A7F14FD-4145-9FD2-4213-33B2472AF3C5}"/>
               </a:ext>
             </a:extLst>
           </p:cNvPr>
@@ -2100,7 +2100,7 @@
           <p:cNvPr id="4" name="灯片编号占位符 3">
             <a:extLst>
               <a:ext uri="{FF2B5EF4-FFF2-40B4-BE49-F238E27FC236}">
-                <a16:creationId xmlns:a16="http://schemas.microsoft.com/office/drawing/2014/main" id="{7BE2C5B0-40D3-DBE1-60AF-7B7AB2A86117}"/>
+                <a16:creationId xmlns:a16="http://schemas.microsoft.com/office/drawing/2014/main" id="{7CEFFB8D-0C35-6D03-2530-973D87088736}"/>
               </a:ext>
             </a:extLst>
           </p:cNvPr>
@@ -2116,7 +2116,7 @@
           <a:bodyPr/>
           <a:lstStyle/>
           <a:p>
-            <a:fld id="{77359B1A-20D4-46CF-940E-7F9F58032197}" type="slidenum">
+            <a:fld id="{DEB31640-0C3C-4B61-89CC-35FE01A3F886}" type="slidenum">
               <a:rPr lang="zh-CN" altLang="en-US" smtClean="0"/>
               <a:t>‹#›</a:t>
             </a:fld>
@@ -2127,7 +2127,7 @@
     </p:spTree>
     <p:extLst>
       <p:ext uri="{BB962C8B-B14F-4D97-AF65-F5344CB8AC3E}">
-        <p14:creationId xmlns:p14="http://schemas.microsoft.com/office/powerpoint/2010/main" val="3554304239"/>
+        <p14:creationId xmlns:p14="http://schemas.microsoft.com/office/powerpoint/2010/main" val="1626748190"/>
       </p:ext>
     </p:extLst>
   </p:cSld>
@@ -2159,7 +2159,7 @@
           <p:cNvPr id="2" name="标题 1">
             <a:extLst>
               <a:ext uri="{FF2B5EF4-FFF2-40B4-BE49-F238E27FC236}">
-                <a16:creationId xmlns:a16="http://schemas.microsoft.com/office/drawing/2014/main" id="{B1A9EA01-DA77-9AE0-5721-BAF1BE5DBF6F}"/>
+                <a16:creationId xmlns:a16="http://schemas.microsoft.com/office/drawing/2014/main" id="{356AB248-A784-ECFE-EC87-D0AFE5FABB5E}"/>
               </a:ext>
             </a:extLst>
           </p:cNvPr>
@@ -2196,7 +2196,7 @@
           <p:cNvPr id="3" name="内容占位符 2">
             <a:extLst>
               <a:ext uri="{FF2B5EF4-FFF2-40B4-BE49-F238E27FC236}">
-                <a16:creationId xmlns:a16="http://schemas.microsoft.com/office/drawing/2014/main" id="{4240E39E-4B41-127C-08F2-B1E28A04DABD}"/>
+                <a16:creationId xmlns:a16="http://schemas.microsoft.com/office/drawing/2014/main" id="{DA45B476-1870-1253-E206-CCB28767856C}"/>
               </a:ext>
             </a:extLst>
           </p:cNvPr>
@@ -2286,7 +2286,7 @@
           <p:cNvPr id="4" name="文本占位符 3">
             <a:extLst>
               <a:ext uri="{FF2B5EF4-FFF2-40B4-BE49-F238E27FC236}">
-                <a16:creationId xmlns:a16="http://schemas.microsoft.com/office/drawing/2014/main" id="{0C4C5F88-26DD-BE4D-BCB9-7D22330CCB98}"/>
+                <a16:creationId xmlns:a16="http://schemas.microsoft.com/office/drawing/2014/main" id="{27B4179E-AA1A-CCB7-0634-F17A493757FF}"/>
               </a:ext>
             </a:extLst>
           </p:cNvPr>
@@ -2357,7 +2357,7 @@
           <p:cNvPr id="5" name="日期占位符 4">
             <a:extLst>
               <a:ext uri="{FF2B5EF4-FFF2-40B4-BE49-F238E27FC236}">
-                <a16:creationId xmlns:a16="http://schemas.microsoft.com/office/drawing/2014/main" id="{9C25CAE0-1D10-A75C-E1C3-617C84B7A9C8}"/>
+                <a16:creationId xmlns:a16="http://schemas.microsoft.com/office/drawing/2014/main" id="{37AA96F6-24F9-AF8E-D43A-3E34DE1D2EED}"/>
               </a:ext>
             </a:extLst>
           </p:cNvPr>
@@ -2373,7 +2373,7 @@
           <a:bodyPr/>
           <a:lstStyle/>
           <a:p>
-            <a:fld id="{E1A4F034-C59A-4D56-A69B-24D6EE955202}" type="datetimeFigureOut">
+            <a:fld id="{A3BC28E7-46E7-45CF-AFD7-B300BDAEB804}" type="datetimeFigureOut">
               <a:rPr lang="zh-CN" altLang="en-US" smtClean="0"/>
               <a:t>2024/3/10</a:t>
             </a:fld>
@@ -2386,7 +2386,7 @@
           <p:cNvPr id="6" name="页脚占位符 5">
             <a:extLst>
               <a:ext uri="{FF2B5EF4-FFF2-40B4-BE49-F238E27FC236}">
-                <a16:creationId xmlns:a16="http://schemas.microsoft.com/office/drawing/2014/main" id="{C72D896C-D459-FDF3-4A7D-DFE0EAAB7A9D}"/>
+                <a16:creationId xmlns:a16="http://schemas.microsoft.com/office/drawing/2014/main" id="{CEDD4C84-6EF2-D15C-A90D-474D83481177}"/>
               </a:ext>
             </a:extLst>
           </p:cNvPr>
@@ -2411,7 +2411,7 @@
           <p:cNvPr id="7" name="灯片编号占位符 6">
             <a:extLst>
               <a:ext uri="{FF2B5EF4-FFF2-40B4-BE49-F238E27FC236}">
-                <a16:creationId xmlns:a16="http://schemas.microsoft.com/office/drawing/2014/main" id="{18EEC34D-183F-9C02-58BD-AFECA1D9BB6F}"/>
+                <a16:creationId xmlns:a16="http://schemas.microsoft.com/office/drawing/2014/main" id="{E4CCA423-0B46-5388-695B-11E3C73B706A}"/>
               </a:ext>
             </a:extLst>
           </p:cNvPr>
@@ -2427,7 +2427,7 @@
           <a:bodyPr/>
           <a:lstStyle/>
           <a:p>
-            <a:fld id="{77359B1A-20D4-46CF-940E-7F9F58032197}" type="slidenum">
+            <a:fld id="{DEB31640-0C3C-4B61-89CC-35FE01A3F886}" type="slidenum">
               <a:rPr lang="zh-CN" altLang="en-US" smtClean="0"/>
               <a:t>‹#›</a:t>
             </a:fld>
@@ -2438,7 +2438,7 @@
     </p:spTree>
     <p:extLst>
       <p:ext uri="{BB962C8B-B14F-4D97-AF65-F5344CB8AC3E}">
-        <p14:creationId xmlns:p14="http://schemas.microsoft.com/office/powerpoint/2010/main" val="2499550563"/>
+        <p14:creationId xmlns:p14="http://schemas.microsoft.com/office/powerpoint/2010/main" val="538675092"/>
       </p:ext>
     </p:extLst>
   </p:cSld>
@@ -2470,7 +2470,7 @@
           <p:cNvPr id="2" name="标题 1">
             <a:extLst>
               <a:ext uri="{FF2B5EF4-FFF2-40B4-BE49-F238E27FC236}">
-                <a16:creationId xmlns:a16="http://schemas.microsoft.com/office/drawing/2014/main" id="{259618F0-7C15-8373-9417-899BEE9E0661}"/>
+                <a16:creationId xmlns:a16="http://schemas.microsoft.com/office/drawing/2014/main" id="{84AAB01C-4992-BB0E-3DBC-D04FC951A3FE}"/>
               </a:ext>
             </a:extLst>
           </p:cNvPr>
@@ -2507,7 +2507,7 @@
           <p:cNvPr id="3" name="图片占位符 2">
             <a:extLst>
               <a:ext uri="{FF2B5EF4-FFF2-40B4-BE49-F238E27FC236}">
-                <a16:creationId xmlns:a16="http://schemas.microsoft.com/office/drawing/2014/main" id="{2B07E112-4ECE-1A5F-ED34-A02F9DC51A92}"/>
+                <a16:creationId xmlns:a16="http://schemas.microsoft.com/office/drawing/2014/main" id="{C879A2E6-0AA2-5016-FD76-74008823C4DF}"/>
               </a:ext>
             </a:extLst>
           </p:cNvPr>
@@ -2574,7 +2574,7 @@
           <p:cNvPr id="4" name="文本占位符 3">
             <a:extLst>
               <a:ext uri="{FF2B5EF4-FFF2-40B4-BE49-F238E27FC236}">
-                <a16:creationId xmlns:a16="http://schemas.microsoft.com/office/drawing/2014/main" id="{E99856F8-500D-C3D7-FEEF-B4628354A3C5}"/>
+                <a16:creationId xmlns:a16="http://schemas.microsoft.com/office/drawing/2014/main" id="{F41F5861-1DE0-1D66-39E4-A6F104DF0AE1}"/>
               </a:ext>
             </a:extLst>
           </p:cNvPr>
@@ -2645,7 +2645,7 @@
           <p:cNvPr id="5" name="日期占位符 4">
             <a:extLst>
               <a:ext uri="{FF2B5EF4-FFF2-40B4-BE49-F238E27FC236}">
-                <a16:creationId xmlns:a16="http://schemas.microsoft.com/office/drawing/2014/main" id="{C9EB6423-4332-EE84-FD6B-CDE9985E3F7A}"/>
+                <a16:creationId xmlns:a16="http://schemas.microsoft.com/office/drawing/2014/main" id="{58501B72-7ADB-9391-DE4C-D83865EEC21D}"/>
               </a:ext>
             </a:extLst>
           </p:cNvPr>
@@ -2661,7 +2661,7 @@
           <a:bodyPr/>
           <a:lstStyle/>
           <a:p>
-            <a:fld id="{E1A4F034-C59A-4D56-A69B-24D6EE955202}" type="datetimeFigureOut">
+            <a:fld id="{A3BC28E7-46E7-45CF-AFD7-B300BDAEB804}" type="datetimeFigureOut">
               <a:rPr lang="zh-CN" altLang="en-US" smtClean="0"/>
               <a:t>2024/3/10</a:t>
             </a:fld>
@@ -2674,7 +2674,7 @@
           <p:cNvPr id="6" name="页脚占位符 5">
             <a:extLst>
               <a:ext uri="{FF2B5EF4-FFF2-40B4-BE49-F238E27FC236}">
-                <a16:creationId xmlns:a16="http://schemas.microsoft.com/office/drawing/2014/main" id="{BC7EF59B-0CD3-102B-7979-03F29B61B189}"/>
+                <a16:creationId xmlns:a16="http://schemas.microsoft.com/office/drawing/2014/main" id="{3F5FC5FF-6624-D559-68A1-3193E3E32971}"/>
               </a:ext>
             </a:extLst>
           </p:cNvPr>
@@ -2699,7 +2699,7 @@
           <p:cNvPr id="7" name="灯片编号占位符 6">
             <a:extLst>
               <a:ext uri="{FF2B5EF4-FFF2-40B4-BE49-F238E27FC236}">
-                <a16:creationId xmlns:a16="http://schemas.microsoft.com/office/drawing/2014/main" id="{6BD5505C-0717-457B-AD91-558823777F5A}"/>
+                <a16:creationId xmlns:a16="http://schemas.microsoft.com/office/drawing/2014/main" id="{69FBC198-966A-2AAA-88A1-2CCA67385684}"/>
               </a:ext>
             </a:extLst>
           </p:cNvPr>
@@ -2715,7 +2715,7 @@
           <a:bodyPr/>
           <a:lstStyle/>
           <a:p>
-            <a:fld id="{77359B1A-20D4-46CF-940E-7F9F58032197}" type="slidenum">
+            <a:fld id="{DEB31640-0C3C-4B61-89CC-35FE01A3F886}" type="slidenum">
               <a:rPr lang="zh-CN" altLang="en-US" smtClean="0"/>
               <a:t>‹#›</a:t>
             </a:fld>
@@ -2726,7 +2726,7 @@
     </p:spTree>
     <p:extLst>
       <p:ext uri="{BB962C8B-B14F-4D97-AF65-F5344CB8AC3E}">
-        <p14:creationId xmlns:p14="http://schemas.microsoft.com/office/powerpoint/2010/main" val="3968602566"/>
+        <p14:creationId xmlns:p14="http://schemas.microsoft.com/office/powerpoint/2010/main" val="4178657057"/>
       </p:ext>
     </p:extLst>
   </p:cSld>
@@ -2763,7 +2763,7 @@
           <p:cNvPr id="2" name="标题占位符 1">
             <a:extLst>
               <a:ext uri="{FF2B5EF4-FFF2-40B4-BE49-F238E27FC236}">
-                <a16:creationId xmlns:a16="http://schemas.microsoft.com/office/drawing/2014/main" id="{81205B63-B360-5D6A-B324-41CA5CDF07EA}"/>
+                <a16:creationId xmlns:a16="http://schemas.microsoft.com/office/drawing/2014/main" id="{A66663E9-193D-3A94-DF4F-369F9255B2FD}"/>
               </a:ext>
             </a:extLst>
           </p:cNvPr>
@@ -2801,7 +2801,7 @@
           <p:cNvPr id="3" name="文本占位符 2">
             <a:extLst>
               <a:ext uri="{FF2B5EF4-FFF2-40B4-BE49-F238E27FC236}">
-                <a16:creationId xmlns:a16="http://schemas.microsoft.com/office/drawing/2014/main" id="{E8A5CE49-21DD-F207-CCCA-2CD088DA899F}"/>
+                <a16:creationId xmlns:a16="http://schemas.microsoft.com/office/drawing/2014/main" id="{1039416D-6711-F9D0-6044-67266CD8ED12}"/>
               </a:ext>
             </a:extLst>
           </p:cNvPr>
@@ -2868,7 +2868,7 @@
           <p:cNvPr id="4" name="日期占位符 3">
             <a:extLst>
               <a:ext uri="{FF2B5EF4-FFF2-40B4-BE49-F238E27FC236}">
-                <a16:creationId xmlns:a16="http://schemas.microsoft.com/office/drawing/2014/main" id="{82D6648E-0CAF-609E-242F-945DDB8BC3A3}"/>
+                <a16:creationId xmlns:a16="http://schemas.microsoft.com/office/drawing/2014/main" id="{62694A31-E15C-04B5-4A6B-E42BA123BE95}"/>
               </a:ext>
             </a:extLst>
           </p:cNvPr>
@@ -2902,7 +2902,7 @@
             </a:lvl1pPr>
           </a:lstStyle>
           <a:p>
-            <a:fld id="{E1A4F034-C59A-4D56-A69B-24D6EE955202}" type="datetimeFigureOut">
+            <a:fld id="{A3BC28E7-46E7-45CF-AFD7-B300BDAEB804}" type="datetimeFigureOut">
               <a:rPr lang="zh-CN" altLang="en-US" smtClean="0"/>
               <a:t>2024/3/10</a:t>
             </a:fld>
@@ -2915,7 +2915,7 @@
           <p:cNvPr id="5" name="页脚占位符 4">
             <a:extLst>
               <a:ext uri="{FF2B5EF4-FFF2-40B4-BE49-F238E27FC236}">
-                <a16:creationId xmlns:a16="http://schemas.microsoft.com/office/drawing/2014/main" id="{B596D302-E1A7-86F8-04FC-BB19A3339C8D}"/>
+                <a16:creationId xmlns:a16="http://schemas.microsoft.com/office/drawing/2014/main" id="{55EACE5D-BDD4-EFE7-04EB-58B42C1C7AE1}"/>
               </a:ext>
             </a:extLst>
           </p:cNvPr>
@@ -2958,7 +2958,7 @@
           <p:cNvPr id="6" name="灯片编号占位符 5">
             <a:extLst>
               <a:ext uri="{FF2B5EF4-FFF2-40B4-BE49-F238E27FC236}">
-                <a16:creationId xmlns:a16="http://schemas.microsoft.com/office/drawing/2014/main" id="{41237194-B5F9-055C-C8A0-59EFFE69364F}"/>
+                <a16:creationId xmlns:a16="http://schemas.microsoft.com/office/drawing/2014/main" id="{4949E220-95FD-4ABF-293B-500DD047718C}"/>
               </a:ext>
             </a:extLst>
           </p:cNvPr>
@@ -2992,7 +2992,7 @@
             </a:lvl1pPr>
           </a:lstStyle>
           <a:p>
-            <a:fld id="{77359B1A-20D4-46CF-940E-7F9F58032197}" type="slidenum">
+            <a:fld id="{DEB31640-0C3C-4B61-89CC-35FE01A3F886}" type="slidenum">
               <a:rPr lang="zh-CN" altLang="en-US" smtClean="0"/>
               <a:t>‹#›</a:t>
             </a:fld>
@@ -3003,7 +3003,7 @@
     </p:spTree>
     <p:extLst>
       <p:ext uri="{BB962C8B-B14F-4D97-AF65-F5344CB8AC3E}">
-        <p14:creationId xmlns:p14="http://schemas.microsoft.com/office/powerpoint/2010/main" val="1846315618"/>
+        <p14:creationId xmlns:p14="http://schemas.microsoft.com/office/powerpoint/2010/main" val="1191202232"/>
       </p:ext>
     </p:extLst>
   </p:cSld>
@@ -3323,7 +3323,7 @@
       </p:grpSpPr>
       <p:pic>
         <p:nvPicPr>
-          <p:cNvPr id="374786" name="Picture 2" descr="365"/>
+          <p:cNvPr id="375810" name="Picture 2" descr="366"/>
           <p:cNvPicPr>
             <a:picLocks noChangeAspect="1" noChangeArrowheads="1"/>
           </p:cNvPicPr>
@@ -3345,7 +3345,7 @@
         <p:spPr bwMode="auto">
           <a:xfrm>
             <a:off x="1524000" y="0"/>
-            <a:ext cx="9144000" cy="5949950"/>
+            <a:ext cx="9144000" cy="6858000"/>
           </a:xfrm>
           <a:prstGeom prst="rect">
             <a:avLst/>
@@ -3375,11 +3375,158 @@
           </a:extLst>
         </p:spPr>
       </p:pic>
+      <p:pic>
+        <p:nvPicPr>
+          <p:cNvPr id="376835" name="Picture 3" descr="366-2"/>
+          <p:cNvPicPr>
+            <a:picLocks noChangeAspect="1" noChangeArrowheads="1"/>
+          </p:cNvPicPr>
+          <p:nvPr/>
+        </p:nvPicPr>
+        <p:blipFill>
+          <a:blip r:embed="rId3">
+            <a:extLst>
+              <a:ext uri="{28A0092B-C50C-407E-A947-70E740481C1C}">
+                <a14:useLocalDpi xmlns:a14="http://schemas.microsoft.com/office/drawing/2010/main" val="0"/>
+              </a:ext>
+            </a:extLst>
+          </a:blip>
+          <a:srcRect/>
+          <a:stretch>
+            <a:fillRect/>
+          </a:stretch>
+        </p:blipFill>
+        <p:spPr bwMode="auto">
+          <a:xfrm>
+            <a:off x="1560513" y="0"/>
+            <a:ext cx="9144000" cy="6858000"/>
+          </a:xfrm>
+          <a:prstGeom prst="rect">
+            <a:avLst/>
+          </a:prstGeom>
+          <a:noFill/>
+          <a:ln>
+            <a:noFill/>
+          </a:ln>
+          <a:effectLst/>
+          <a:extLst>
+            <a:ext uri="{909E8E84-426E-40DD-AFC4-6F175D3DCCD1}">
+              <a14:hiddenFill xmlns:a14="http://schemas.microsoft.com/office/drawing/2010/main">
+                <a:solidFill>
+                  <a:srgbClr val="FFFFFF"/>
+                </a:solidFill>
+              </a14:hiddenFill>
+            </a:ext>
+            <a:ext uri="{91240B29-F687-4F45-9708-019B960494DF}">
+              <a14:hiddenLine xmlns:a14="http://schemas.microsoft.com/office/drawing/2010/main" w="9525">
+                <a:solidFill>
+                  <a:srgbClr val="000000"/>
+                </a:solidFill>
+                <a:miter lim="800000"/>
+                <a:headEnd/>
+                <a:tailEnd/>
+              </a14:hiddenLine>
+            </a:ext>
+            <a:ext uri="{AF507438-7753-43E0-B8FC-AC1667EBCBE1}">
+              <a14:hiddenEffects xmlns:a14="http://schemas.microsoft.com/office/drawing/2010/main">
+                <a:effectLst>
+                  <a:outerShdw dist="35921" dir="2700000" algn="ctr" rotWithShape="0">
+                    <a:srgbClr val="808080"/>
+                  </a:outerShdw>
+                </a:effectLst>
+              </a14:hiddenEffects>
+            </a:ext>
+          </a:extLst>
+        </p:spPr>
+      </p:pic>
     </p:spTree>
   </p:cSld>
   <p:clrMapOvr>
     <a:masterClrMapping/>
   </p:clrMapOvr>
+  <p:timing>
+    <p:tnLst>
+      <p:par>
+        <p:cTn id="1" dur="indefinite" restart="never" nodeType="tmRoot">
+          <p:childTnLst>
+            <p:seq concurrent="1" nextAc="seek">
+              <p:cTn id="2" dur="indefinite" nodeType="mainSeq">
+                <p:childTnLst>
+                  <p:par>
+                    <p:cTn id="3" fill="hold" nodeType="clickPar">
+                      <p:stCondLst>
+                        <p:cond delay="indefinite"/>
+                      </p:stCondLst>
+                      <p:childTnLst>
+                        <p:par>
+                          <p:cTn id="4" fill="hold" nodeType="withGroup">
+                            <p:stCondLst>
+                              <p:cond delay="0"/>
+                            </p:stCondLst>
+                            <p:childTnLst>
+                              <p:par>
+                                <p:cTn id="5" presetID="10" presetClass="entr" presetSubtype="0" fill="hold" nodeType="clickEffect">
+                                  <p:stCondLst>
+                                    <p:cond delay="0"/>
+                                  </p:stCondLst>
+                                  <p:childTnLst>
+                                    <p:set>
+                                      <p:cBhvr>
+                                        <p:cTn id="6" dur="1" fill="hold">
+                                          <p:stCondLst>
+                                            <p:cond delay="0"/>
+                                          </p:stCondLst>
+                                        </p:cTn>
+                                        <p:tgtEl>
+                                          <p:spTgt spid="376835"/>
+                                        </p:tgtEl>
+                                        <p:attrNameLst>
+                                          <p:attrName>style.visibility</p:attrName>
+                                        </p:attrNameLst>
+                                      </p:cBhvr>
+                                      <p:to>
+                                        <p:strVal val="visible"/>
+                                      </p:to>
+                                    </p:set>
+                                    <p:animEffect transition="in" filter="fade">
+                                      <p:cBhvr>
+                                        <p:cTn id="7" dur="500"/>
+                                        <p:tgtEl>
+                                          <p:spTgt spid="376835"/>
+                                        </p:tgtEl>
+                                      </p:cBhvr>
+                                    </p:animEffect>
+                                  </p:childTnLst>
+                                </p:cTn>
+                              </p:par>
+                            </p:childTnLst>
+                          </p:cTn>
+                        </p:par>
+                      </p:childTnLst>
+                    </p:cTn>
+                  </p:par>
+                </p:childTnLst>
+              </p:cTn>
+              <p:prevCondLst>
+                <p:cond evt="onPrev" delay="0">
+                  <p:tgtEl>
+                    <p:sldTgt/>
+                  </p:tgtEl>
+                </p:cond>
+              </p:prevCondLst>
+              <p:nextCondLst>
+                <p:cond evt="onNext" delay="0">
+                  <p:tgtEl>
+                    <p:sldTgt/>
+                  </p:tgtEl>
+                </p:cond>
+              </p:nextCondLst>
+            </p:seq>
+          </p:childTnLst>
+        </p:cTn>
+      </p:par>
+    </p:tnLst>
+  </p:timing>
 </p:sld>
 </file>
 
